--- a/Presentation/FYP.pptx
+++ b/Presentation/FYP.pptx
@@ -235,7 +235,7 @@
           <a:p>
             <a:fld id="{125E2F34-8EF2-9748-A024-B07E1130FA7C}" type="datetimeFigureOut">
               <a:rPr lang="en-GB" smtClean="0"/>
-              <a:t>26/06/2017</a:t>
+              <a:t>27/06/2017</a:t>
             </a:fld>
             <a:endParaRPr lang="en-GB"/>
           </a:p>
@@ -643,6 +643,12 @@
               <a:rPr lang="en-GB" dirty="0" smtClean="0"/>
               <a:t>30 s</a:t>
             </a:r>
+          </a:p>
+          <a:p>
+            <a:r>
+              <a:rPr lang="en-GB" dirty="0" smtClean="0"/>
+              <a:t>8.5</a:t>
+            </a:r>
             <a:endParaRPr lang="en-GB" dirty="0"/>
           </a:p>
         </p:txBody>
@@ -664,7 +670,7 @@
           <a:p>
             <a:fld id="{816469E4-0507-2E49-9B27-5D5B2C815160}" type="slidenum">
               <a:rPr lang="en-GB" smtClean="0"/>
-              <a:t>11</a:t>
+              <a:t>10</a:t>
             </a:fld>
             <a:endParaRPr lang="en-GB"/>
           </a:p>
@@ -673,7 +679,7 @@
     </p:spTree>
     <p:extLst>
       <p:ext uri="{BB962C8B-B14F-4D97-AF65-F5344CB8AC3E}">
-        <p14:creationId xmlns:p14="http://schemas.microsoft.com/office/powerpoint/2010/main" val="130247262"/>
+        <p14:creationId xmlns:p14="http://schemas.microsoft.com/office/powerpoint/2010/main" val="212107645"/>
       </p:ext>
     </p:extLst>
   </p:cSld>
@@ -731,6 +737,12 @@
               <a:rPr lang="en-GB" dirty="0" smtClean="0"/>
               <a:t>30 s</a:t>
             </a:r>
+          </a:p>
+          <a:p>
+            <a:r>
+              <a:rPr lang="en-GB" dirty="0" smtClean="0"/>
+              <a:t>9</a:t>
+            </a:r>
             <a:endParaRPr lang="en-GB" dirty="0"/>
           </a:p>
         </p:txBody>
@@ -752,7 +764,7 @@
           <a:p>
             <a:fld id="{816469E4-0507-2E49-9B27-5D5B2C815160}" type="slidenum">
               <a:rPr lang="en-GB" smtClean="0"/>
-              <a:t>12</a:t>
+              <a:t>11</a:t>
             </a:fld>
             <a:endParaRPr lang="en-GB"/>
           </a:p>
@@ -761,7 +773,7 @@
     </p:spTree>
     <p:extLst>
       <p:ext uri="{BB962C8B-B14F-4D97-AF65-F5344CB8AC3E}">
-        <p14:creationId xmlns:p14="http://schemas.microsoft.com/office/powerpoint/2010/main" val="2053507629"/>
+        <p14:creationId xmlns:p14="http://schemas.microsoft.com/office/powerpoint/2010/main" val="130247262"/>
       </p:ext>
     </p:extLst>
   </p:cSld>
@@ -823,11 +835,7 @@
           <a:p>
             <a:r>
               <a:rPr lang="en-GB" dirty="0" smtClean="0"/>
-              <a:t>End ~ 10</a:t>
-            </a:r>
-            <a:r>
-              <a:rPr lang="en-GB" baseline="0" dirty="0" smtClean="0"/>
-              <a:t> mins</a:t>
+              <a:t>9.5</a:t>
             </a:r>
             <a:endParaRPr lang="en-GB" dirty="0"/>
           </a:p>
@@ -850,7 +858,7 @@
           <a:p>
             <a:fld id="{816469E4-0507-2E49-9B27-5D5B2C815160}" type="slidenum">
               <a:rPr lang="en-GB" smtClean="0"/>
-              <a:t>13</a:t>
+              <a:t>12</a:t>
             </a:fld>
             <a:endParaRPr lang="en-GB"/>
           </a:p>
@@ -859,7 +867,7 @@
     </p:spTree>
     <p:extLst>
       <p:ext uri="{BB962C8B-B14F-4D97-AF65-F5344CB8AC3E}">
-        <p14:creationId xmlns:p14="http://schemas.microsoft.com/office/powerpoint/2010/main" val="1089082828"/>
+        <p14:creationId xmlns:p14="http://schemas.microsoft.com/office/powerpoint/2010/main" val="2053507629"/>
       </p:ext>
     </p:extLst>
   </p:cSld>
@@ -915,7 +923,17 @@
           <a:p>
             <a:r>
               <a:rPr lang="en-GB" dirty="0" smtClean="0"/>
-              <a:t>2 mins</a:t>
+              <a:t>30 s</a:t>
+            </a:r>
+          </a:p>
+          <a:p>
+            <a:r>
+              <a:rPr lang="en-GB" dirty="0" smtClean="0"/>
+              <a:t>End ~ 10.5</a:t>
+            </a:r>
+            <a:r>
+              <a:rPr lang="en-GB" baseline="0" dirty="0" smtClean="0"/>
+              <a:t> mins</a:t>
             </a:r>
             <a:endParaRPr lang="en-GB" dirty="0"/>
           </a:p>
@@ -938,7 +956,7 @@
           <a:p>
             <a:fld id="{816469E4-0507-2E49-9B27-5D5B2C815160}" type="slidenum">
               <a:rPr lang="en-GB" smtClean="0"/>
-              <a:t>14</a:t>
+              <a:t>13</a:t>
             </a:fld>
             <a:endParaRPr lang="en-GB"/>
           </a:p>
@@ -947,7 +965,7 @@
     </p:spTree>
     <p:extLst>
       <p:ext uri="{BB962C8B-B14F-4D97-AF65-F5344CB8AC3E}">
-        <p14:creationId xmlns:p14="http://schemas.microsoft.com/office/powerpoint/2010/main" val="650588171"/>
+        <p14:creationId xmlns:p14="http://schemas.microsoft.com/office/powerpoint/2010/main" val="1089082828"/>
       </p:ext>
     </p:extLst>
   </p:cSld>
@@ -1003,17 +1021,13 @@
           <a:p>
             <a:r>
               <a:rPr lang="en-GB" dirty="0" smtClean="0"/>
-              <a:t>1 min</a:t>
-            </a:r>
-          </a:p>
-          <a:p>
-            <a:r>
-              <a:rPr lang="en-GB" dirty="0" smtClean="0"/>
-              <a:t>End ~ 13</a:t>
-            </a:r>
-            <a:r>
-              <a:rPr lang="en-GB" baseline="0" dirty="0" smtClean="0"/>
-              <a:t> mins</a:t>
+              <a:t>1.5 mins</a:t>
+            </a:r>
+          </a:p>
+          <a:p>
+            <a:r>
+              <a:rPr lang="en-GB" dirty="0" smtClean="0"/>
+              <a:t>End ~ 12 mins</a:t>
             </a:r>
             <a:endParaRPr lang="en-GB" dirty="0"/>
           </a:p>
@@ -1036,7 +1050,7 @@
           <a:p>
             <a:fld id="{816469E4-0507-2E49-9B27-5D5B2C815160}" type="slidenum">
               <a:rPr lang="en-GB" smtClean="0"/>
-              <a:t>15</a:t>
+              <a:t>14</a:t>
             </a:fld>
             <a:endParaRPr lang="en-GB"/>
           </a:p>
@@ -1045,7 +1059,7 @@
     </p:spTree>
     <p:extLst>
       <p:ext uri="{BB962C8B-B14F-4D97-AF65-F5344CB8AC3E}">
-        <p14:creationId xmlns:p14="http://schemas.microsoft.com/office/powerpoint/2010/main" val="1324646012"/>
+        <p14:creationId xmlns:p14="http://schemas.microsoft.com/office/powerpoint/2010/main" val="650588171"/>
       </p:ext>
     </p:extLst>
   </p:cSld>
@@ -1101,6 +1115,104 @@
           <a:p>
             <a:r>
               <a:rPr lang="en-GB" dirty="0" smtClean="0"/>
+              <a:t>1 min</a:t>
+            </a:r>
+          </a:p>
+          <a:p>
+            <a:r>
+              <a:rPr lang="en-GB" dirty="0" smtClean="0"/>
+              <a:t>End ~ 13</a:t>
+            </a:r>
+            <a:r>
+              <a:rPr lang="en-GB" baseline="0" dirty="0" smtClean="0"/>
+              <a:t> mins</a:t>
+            </a:r>
+            <a:endParaRPr lang="en-GB" dirty="0"/>
+          </a:p>
+        </p:txBody>
+      </p:sp>
+      <p:sp>
+        <p:nvSpPr>
+          <p:cNvPr id="4" name="Slide Number Placeholder 3"/>
+          <p:cNvSpPr>
+            <a:spLocks noGrp="1"/>
+          </p:cNvSpPr>
+          <p:nvPr>
+            <p:ph type="sldNum" sz="quarter" idx="10"/>
+          </p:nvPr>
+        </p:nvSpPr>
+        <p:spPr/>
+        <p:txBody>
+          <a:bodyPr/>
+          <a:lstStyle/>
+          <a:p>
+            <a:fld id="{816469E4-0507-2E49-9B27-5D5B2C815160}" type="slidenum">
+              <a:rPr lang="en-GB" smtClean="0"/>
+              <a:t>15</a:t>
+            </a:fld>
+            <a:endParaRPr lang="en-GB"/>
+          </a:p>
+        </p:txBody>
+      </p:sp>
+    </p:spTree>
+    <p:extLst>
+      <p:ext uri="{BB962C8B-B14F-4D97-AF65-F5344CB8AC3E}">
+        <p14:creationId xmlns:p14="http://schemas.microsoft.com/office/powerpoint/2010/main" val="1324646012"/>
+      </p:ext>
+    </p:extLst>
+  </p:cSld>
+  <p:clrMapOvr>
+    <a:masterClrMapping/>
+  </p:clrMapOvr>
+</p:notes>
+</file>
+
+<file path=ppt/notesSlides/notesSlide16.xml><?xml version="1.0" encoding="utf-8"?>
+<p:notes xmlns:a="http://schemas.openxmlformats.org/drawingml/2006/main" xmlns:r="http://schemas.openxmlformats.org/officeDocument/2006/relationships" xmlns:p="http://schemas.openxmlformats.org/presentationml/2006/main">
+  <p:cSld>
+    <p:spTree>
+      <p:nvGrpSpPr>
+        <p:cNvPr id="1" name=""/>
+        <p:cNvGrpSpPr/>
+        <p:nvPr/>
+      </p:nvGrpSpPr>
+      <p:grpSpPr>
+        <a:xfrm>
+          <a:off x="0" y="0"/>
+          <a:ext cx="0" cy="0"/>
+          <a:chOff x="0" y="0"/>
+          <a:chExt cx="0" cy="0"/>
+        </a:xfrm>
+      </p:grpSpPr>
+      <p:sp>
+        <p:nvSpPr>
+          <p:cNvPr id="2" name="Slide Image Placeholder 1"/>
+          <p:cNvSpPr>
+            <a:spLocks noGrp="1" noRot="1" noChangeAspect="1"/>
+          </p:cNvSpPr>
+          <p:nvPr>
+            <p:ph type="sldImg"/>
+          </p:nvPr>
+        </p:nvSpPr>
+        <p:spPr/>
+      </p:sp>
+      <p:sp>
+        <p:nvSpPr>
+          <p:cNvPr id="3" name="Notes Placeholder 2"/>
+          <p:cNvSpPr>
+            <a:spLocks noGrp="1"/>
+          </p:cNvSpPr>
+          <p:nvPr>
+            <p:ph type="body" idx="1"/>
+          </p:nvPr>
+        </p:nvSpPr>
+        <p:spPr/>
+        <p:txBody>
+          <a:bodyPr/>
+          <a:lstStyle/>
+          <a:p>
+            <a:r>
+              <a:rPr lang="en-GB" dirty="0" smtClean="0"/>
               <a:t>2 mins</a:t>
             </a:r>
           </a:p>
@@ -1149,7 +1261,7 @@
 </p:notes>
 </file>
 
-<file path=ppt/notesSlides/notesSlide16.xml><?xml version="1.0" encoding="utf-8"?>
+<file path=ppt/notesSlides/notesSlide17.xml><?xml version="1.0" encoding="utf-8"?>
 <p:notes xmlns:a="http://schemas.openxmlformats.org/drawingml/2006/main" xmlns:r="http://schemas.openxmlformats.org/officeDocument/2006/relationships" xmlns:p="http://schemas.openxmlformats.org/presentationml/2006/main">
   <p:cSld>
     <p:spTree>
@@ -1492,11 +1604,7 @@
           <a:p>
             <a:r>
               <a:rPr lang="en-GB" dirty="0" smtClean="0"/>
-              <a:t>End ~ 3</a:t>
-            </a:r>
-            <a:r>
-              <a:rPr lang="en-GB" baseline="0" dirty="0" smtClean="0"/>
-              <a:t> min</a:t>
+              <a:t>Skip equation</a:t>
             </a:r>
             <a:endParaRPr lang="en-GB" dirty="0"/>
           </a:p>
@@ -1519,7 +1627,7 @@
           <a:p>
             <a:fld id="{816469E4-0507-2E49-9B27-5D5B2C815160}" type="slidenum">
               <a:rPr lang="en-GB" smtClean="0"/>
-              <a:t>5</a:t>
+              <a:t>4</a:t>
             </a:fld>
             <a:endParaRPr lang="en-GB"/>
           </a:p>
@@ -1528,7 +1636,7 @@
     </p:spTree>
     <p:extLst>
       <p:ext uri="{BB962C8B-B14F-4D97-AF65-F5344CB8AC3E}">
-        <p14:creationId xmlns:p14="http://schemas.microsoft.com/office/powerpoint/2010/main" val="20832912"/>
+        <p14:creationId xmlns:p14="http://schemas.microsoft.com/office/powerpoint/2010/main" val="1891560919"/>
       </p:ext>
     </p:extLst>
   </p:cSld>
@@ -1583,32 +1691,28 @@
           <a:lstStyle/>
           <a:p>
             <a:r>
+              <a:rPr lang="en-GB" dirty="0" smtClean="0"/>
+              <a:t>End ~ 3</a:t>
+            </a:r>
+            <a:r>
               <a:rPr lang="en-GB" baseline="0" dirty="0" smtClean="0"/>
-              <a:t>I </a:t>
+              <a:t> </a:t>
             </a:r>
             <a:r>
               <a:rPr lang="en-GB" baseline="0" dirty="0" smtClean="0"/>
-              <a:t>created a simulation environment using MATLAB where the movement of people leaving Wembley Stadium and heading towards nearby transport links was modelled. I then simulated a station closure and investigated the performance of an ad hoc network where the nodes were smartphones of people heading towards the closed station. </a:t>
-            </a:r>
-          </a:p>
-          <a:p>
-            <a:endParaRPr lang="en-GB" baseline="0" dirty="0" smtClean="0"/>
+              <a:t>min (2m45)</a:t>
+            </a:r>
           </a:p>
           <a:p>
             <a:r>
               <a:rPr lang="en-GB" baseline="0" dirty="0" smtClean="0"/>
-              <a:t>This flowchart shows the overall flow of each simulation. The program flow can be broken down into 3 main components: initialisation, a transmission step and a movement step. The initialisation stage occurs once and the transmission and movement stages loop over a defined number of time slices. Each time slice represents 1 second in real time so the simulation works by simulating the environment as a series of 1 second slices. Once the simulation reaches the end, the results are calculated so a performance comparison can take place. </a:t>
-            </a:r>
-          </a:p>
-          <a:p>
-            <a:endParaRPr lang="en-GB" baseline="0" dirty="0" smtClean="0"/>
-          </a:p>
-          <a:p>
-            <a:r>
-              <a:rPr lang="en-GB" baseline="0" dirty="0" smtClean="0"/>
-              <a:t>The system was designed to be as modular as possible to allow common elements to be reused between simulations. The main differences between the simulations of the different algorithms are found in the “transmission possible” decision and simulate transmission step. </a:t>
-            </a:r>
-            <a:endParaRPr lang="en-GB" dirty="0" smtClean="0"/>
+              <a:t>Skip </a:t>
+            </a:r>
+            <a:r>
+              <a:rPr lang="en-GB" baseline="0" smtClean="0"/>
+              <a:t>ATPC definition if time is short</a:t>
+            </a:r>
+            <a:endParaRPr lang="en-GB" dirty="0"/>
           </a:p>
         </p:txBody>
       </p:sp>
@@ -1629,7 +1733,7 @@
           <a:p>
             <a:fld id="{816469E4-0507-2E49-9B27-5D5B2C815160}" type="slidenum">
               <a:rPr lang="en-GB" smtClean="0"/>
-              <a:t>6</a:t>
+              <a:t>5</a:t>
             </a:fld>
             <a:endParaRPr lang="en-GB"/>
           </a:p>
@@ -1638,7 +1742,7 @@
     </p:spTree>
     <p:extLst>
       <p:ext uri="{BB962C8B-B14F-4D97-AF65-F5344CB8AC3E}">
-        <p14:creationId xmlns:p14="http://schemas.microsoft.com/office/powerpoint/2010/main" val="219258984"/>
+        <p14:creationId xmlns:p14="http://schemas.microsoft.com/office/powerpoint/2010/main" val="20832912"/>
       </p:ext>
     </p:extLst>
   </p:cSld>
@@ -1693,10 +1797,28 @@
           <a:lstStyle/>
           <a:p>
             <a:r>
-              <a:rPr lang="en-GB" dirty="0" smtClean="0"/>
-              <a:t>Try and keep to 1 min</a:t>
-            </a:r>
-            <a:endParaRPr lang="en-GB" dirty="0"/>
+              <a:rPr lang="en-GB" baseline="0" dirty="0" smtClean="0"/>
+              <a:t>I created a simulation environment using MATLAB where the movement of people leaving Wembley Stadium and heading towards nearby transport links was modelled. I then simulated a station closure and investigated the performance of an ad hoc network where the nodes were smartphones of people heading towards the closed station. </a:t>
+            </a:r>
+          </a:p>
+          <a:p>
+            <a:endParaRPr lang="en-GB" baseline="0" dirty="0" smtClean="0"/>
+          </a:p>
+          <a:p>
+            <a:r>
+              <a:rPr lang="en-GB" baseline="0" dirty="0" smtClean="0"/>
+              <a:t>This flowchart shows the overall flow of each simulation. The program flow can be broken down into 3 main components: initialisation, a transmission step and a movement step. The initialisation stage occurs once and the transmission and movement stages loop over a defined number of time slices. Each time slice represents 1 second in real time so the simulation works by simulating the environment as a series of 1 second slices. Once the simulation reaches the end, the results are calculated so a performance comparison can take place. </a:t>
+            </a:r>
+          </a:p>
+          <a:p>
+            <a:endParaRPr lang="en-GB" baseline="0" dirty="0" smtClean="0"/>
+          </a:p>
+          <a:p>
+            <a:r>
+              <a:rPr lang="en-GB" baseline="0" dirty="0" smtClean="0"/>
+              <a:t>The system was designed to be as modular as possible to allow common elements to be reused between simulations. The main differences between the simulations of the different algorithms are found in the “transmission possible” decision and simulate transmission step. </a:t>
+            </a:r>
+            <a:endParaRPr lang="en-GB" dirty="0" smtClean="0"/>
           </a:p>
         </p:txBody>
       </p:sp>
@@ -1717,7 +1839,7 @@
           <a:p>
             <a:fld id="{816469E4-0507-2E49-9B27-5D5B2C815160}" type="slidenum">
               <a:rPr lang="en-GB" smtClean="0"/>
-              <a:t>7</a:t>
+              <a:t>6</a:t>
             </a:fld>
             <a:endParaRPr lang="en-GB"/>
           </a:p>
@@ -1726,7 +1848,7 @@
     </p:spTree>
     <p:extLst>
       <p:ext uri="{BB962C8B-B14F-4D97-AF65-F5344CB8AC3E}">
-        <p14:creationId xmlns:p14="http://schemas.microsoft.com/office/powerpoint/2010/main" val="26282758"/>
+        <p14:creationId xmlns:p14="http://schemas.microsoft.com/office/powerpoint/2010/main" val="219258984"/>
       </p:ext>
     </p:extLst>
   </p:cSld>
@@ -1805,7 +1927,7 @@
           <a:p>
             <a:fld id="{816469E4-0507-2E49-9B27-5D5B2C815160}" type="slidenum">
               <a:rPr lang="en-GB" smtClean="0"/>
-              <a:t>8</a:t>
+              <a:t>7</a:t>
             </a:fld>
             <a:endParaRPr lang="en-GB"/>
           </a:p>
@@ -1814,7 +1936,7 @@
     </p:spTree>
     <p:extLst>
       <p:ext uri="{BB962C8B-B14F-4D97-AF65-F5344CB8AC3E}">
-        <p14:creationId xmlns:p14="http://schemas.microsoft.com/office/powerpoint/2010/main" val="2147428942"/>
+        <p14:creationId xmlns:p14="http://schemas.microsoft.com/office/powerpoint/2010/main" val="26282758"/>
       </p:ext>
     </p:extLst>
   </p:cSld>
@@ -1870,21 +1992,7 @@
           <a:p>
             <a:r>
               <a:rPr lang="en-GB" dirty="0" smtClean="0"/>
-              <a:t>Takes </a:t>
-            </a:r>
-            <a:r>
-              <a:rPr lang="en-GB" dirty="0" err="1" smtClean="0"/>
-              <a:t>approx</a:t>
-            </a:r>
-            <a:r>
-              <a:rPr lang="en-GB" dirty="0" smtClean="0"/>
-              <a:t> 1.5 min</a:t>
-            </a:r>
-          </a:p>
-          <a:p>
-            <a:r>
-              <a:rPr lang="en-GB" dirty="0" smtClean="0"/>
-              <a:t>End ~ 8 min</a:t>
+              <a:t>Try and keep to 1 min</a:t>
             </a:r>
             <a:endParaRPr lang="en-GB" dirty="0"/>
           </a:p>
@@ -1907,7 +2015,7 @@
           <a:p>
             <a:fld id="{816469E4-0507-2E49-9B27-5D5B2C815160}" type="slidenum">
               <a:rPr lang="en-GB" smtClean="0"/>
-              <a:t>9</a:t>
+              <a:t>8</a:t>
             </a:fld>
             <a:endParaRPr lang="en-GB"/>
           </a:p>
@@ -1916,7 +2024,7 @@
     </p:spTree>
     <p:extLst>
       <p:ext uri="{BB962C8B-B14F-4D97-AF65-F5344CB8AC3E}">
-        <p14:creationId xmlns:p14="http://schemas.microsoft.com/office/powerpoint/2010/main" val="1104095277"/>
+        <p14:creationId xmlns:p14="http://schemas.microsoft.com/office/powerpoint/2010/main" val="2147428942"/>
       </p:ext>
     </p:extLst>
   </p:cSld>
@@ -1972,7 +2080,33 @@
           <a:p>
             <a:r>
               <a:rPr lang="en-GB" dirty="0" smtClean="0"/>
-              <a:t>30 s</a:t>
+              <a:t>Takes </a:t>
+            </a:r>
+            <a:r>
+              <a:rPr lang="en-GB" dirty="0" err="1" smtClean="0"/>
+              <a:t>approx</a:t>
+            </a:r>
+            <a:r>
+              <a:rPr lang="en-GB" dirty="0" smtClean="0"/>
+              <a:t> 1.5 min</a:t>
+            </a:r>
+          </a:p>
+          <a:p>
+            <a:r>
+              <a:rPr lang="en-GB" dirty="0" smtClean="0"/>
+              <a:t>End ~ 8 min (~ 10 </a:t>
+            </a:r>
+            <a:r>
+              <a:rPr lang="mr-IN" dirty="0" smtClean="0"/>
+              <a:t>–</a:t>
+            </a:r>
+            <a:r>
+              <a:rPr lang="en-GB" smtClean="0"/>
+              <a:t> 15 s  </a:t>
+            </a:r>
+            <a:r>
+              <a:rPr lang="en-GB" dirty="0" smtClean="0"/>
+              <a:t>after is fine)</a:t>
             </a:r>
             <a:endParaRPr lang="en-GB" dirty="0"/>
           </a:p>
@@ -1995,7 +2129,7 @@
           <a:p>
             <a:fld id="{816469E4-0507-2E49-9B27-5D5B2C815160}" type="slidenum">
               <a:rPr lang="en-GB" smtClean="0"/>
-              <a:t>10</a:t>
+              <a:t>9</a:t>
             </a:fld>
             <a:endParaRPr lang="en-GB"/>
           </a:p>
@@ -2004,7 +2138,7 @@
     </p:spTree>
     <p:extLst>
       <p:ext uri="{BB962C8B-B14F-4D97-AF65-F5344CB8AC3E}">
-        <p14:creationId xmlns:p14="http://schemas.microsoft.com/office/powerpoint/2010/main" val="212107645"/>
+        <p14:creationId xmlns:p14="http://schemas.microsoft.com/office/powerpoint/2010/main" val="1104095277"/>
       </p:ext>
     </p:extLst>
   </p:cSld>
@@ -2240,7 +2374,7 @@
           <a:p>
             <a:fld id="{76B014ED-B0D9-1E48-BDCB-61B79EC6B89A}" type="datetimeFigureOut">
               <a:rPr lang="en-GB" smtClean="0"/>
-              <a:t>26/06/2017</a:t>
+              <a:t>27/06/2017</a:t>
             </a:fld>
             <a:endParaRPr lang="en-GB"/>
           </a:p>
@@ -2443,7 +2577,7 @@
           <a:p>
             <a:fld id="{76B014ED-B0D9-1E48-BDCB-61B79EC6B89A}" type="datetimeFigureOut">
               <a:rPr lang="en-GB" smtClean="0"/>
-              <a:t>26/06/2017</a:t>
+              <a:t>27/06/2017</a:t>
             </a:fld>
             <a:endParaRPr lang="en-GB"/>
           </a:p>
@@ -2694,7 +2828,7 @@
           <a:p>
             <a:fld id="{76B014ED-B0D9-1E48-BDCB-61B79EC6B89A}" type="datetimeFigureOut">
               <a:rPr lang="en-GB" smtClean="0"/>
-              <a:t>26/06/2017</a:t>
+              <a:t>27/06/2017</a:t>
             </a:fld>
             <a:endParaRPr lang="en-GB"/>
           </a:p>
@@ -2890,7 +3024,7 @@
           <a:p>
             <a:fld id="{76B014ED-B0D9-1E48-BDCB-61B79EC6B89A}" type="datetimeFigureOut">
               <a:rPr lang="en-GB" smtClean="0"/>
-              <a:t>26/06/2017</a:t>
+              <a:t>27/06/2017</a:t>
             </a:fld>
             <a:endParaRPr lang="en-GB"/>
           </a:p>
@@ -3228,7 +3362,7 @@
           <a:p>
             <a:fld id="{76B014ED-B0D9-1E48-BDCB-61B79EC6B89A}" type="datetimeFigureOut">
               <a:rPr lang="en-GB" smtClean="0"/>
-              <a:t>26/06/2017</a:t>
+              <a:t>27/06/2017</a:t>
             </a:fld>
             <a:endParaRPr lang="en-GB"/>
           </a:p>
@@ -3498,7 +3632,7 @@
           <a:p>
             <a:fld id="{76B014ED-B0D9-1E48-BDCB-61B79EC6B89A}" type="datetimeFigureOut">
               <a:rPr lang="en-GB" smtClean="0"/>
-              <a:t>26/06/2017</a:t>
+              <a:t>27/06/2017</a:t>
             </a:fld>
             <a:endParaRPr lang="en-GB"/>
           </a:p>
@@ -3872,7 +4006,7 @@
           <a:p>
             <a:fld id="{76B014ED-B0D9-1E48-BDCB-61B79EC6B89A}" type="datetimeFigureOut">
               <a:rPr lang="en-GB" smtClean="0"/>
-              <a:t>26/06/2017</a:t>
+              <a:t>27/06/2017</a:t>
             </a:fld>
             <a:endParaRPr lang="en-GB"/>
           </a:p>
@@ -3985,7 +4119,7 @@
           <a:p>
             <a:fld id="{76B014ED-B0D9-1E48-BDCB-61B79EC6B89A}" type="datetimeFigureOut">
               <a:rPr lang="en-GB" smtClean="0"/>
-              <a:t>26/06/2017</a:t>
+              <a:t>27/06/2017</a:t>
             </a:fld>
             <a:endParaRPr lang="en-GB"/>
           </a:p>
@@ -4151,7 +4285,7 @@
           <a:p>
             <a:fld id="{76B014ED-B0D9-1E48-BDCB-61B79EC6B89A}" type="datetimeFigureOut">
               <a:rPr lang="en-GB" smtClean="0"/>
-              <a:t>26/06/2017</a:t>
+              <a:t>27/06/2017</a:t>
             </a:fld>
             <a:endParaRPr lang="en-GB"/>
           </a:p>
@@ -4500,7 +4634,7 @@
           <a:p>
             <a:fld id="{76B014ED-B0D9-1E48-BDCB-61B79EC6B89A}" type="datetimeFigureOut">
               <a:rPr lang="en-GB" smtClean="0"/>
-              <a:t>26/06/2017</a:t>
+              <a:t>27/06/2017</a:t>
             </a:fld>
             <a:endParaRPr lang="en-GB"/>
           </a:p>
@@ -4872,7 +5006,7 @@
           <a:p>
             <a:fld id="{76B014ED-B0D9-1E48-BDCB-61B79EC6B89A}" type="datetimeFigureOut">
               <a:rPr lang="en-GB" smtClean="0"/>
-              <a:t>26/06/2017</a:t>
+              <a:t>27/06/2017</a:t>
             </a:fld>
             <a:endParaRPr lang="en-GB"/>
           </a:p>
@@ -5154,7 +5288,7 @@
           <a:p>
             <a:fld id="{76B014ED-B0D9-1E48-BDCB-61B79EC6B89A}" type="datetimeFigureOut">
               <a:rPr lang="en-GB" smtClean="0"/>
-              <a:t>26/06/2017</a:t>
+              <a:t>27/06/2017</a:t>
             </a:fld>
             <a:endParaRPr lang="en-GB"/>
           </a:p>
@@ -5859,11 +5993,7 @@
             <a:pPr lvl="1"/>
             <a:r>
               <a:rPr lang="en-GB" dirty="0" smtClean="0"/>
-              <a:t>Location </a:t>
-            </a:r>
-            <a:r>
-              <a:rPr lang="en-GB" dirty="0" smtClean="0"/>
-              <a:t>Table</a:t>
+              <a:t>Location Table</a:t>
             </a:r>
           </a:p>
           <a:p>
@@ -6804,15 +6934,7 @@
                   <a:srgbClr val="9B2D1F"/>
                 </a:solidFill>
               </a:rPr>
-              <a:t>Routing </a:t>
-            </a:r>
-            <a:r>
-              <a:rPr lang="en-GB" dirty="0" smtClean="0">
-                <a:solidFill>
-                  <a:srgbClr val="9B2D1F"/>
-                </a:solidFill>
-              </a:rPr>
-              <a:t>Algorithms 2</a:t>
+              <a:t>Routing Algorithms 2</a:t>
             </a:r>
             <a:endParaRPr lang="en-GB" dirty="0">
               <a:solidFill>
@@ -6840,11 +6962,7 @@
             <a:pPr lvl="1"/>
             <a:r>
               <a:rPr lang="en-GB" dirty="0" smtClean="0"/>
-              <a:t>Object-oriented </a:t>
-            </a:r>
-            <a:r>
-              <a:rPr lang="en-GB" dirty="0" smtClean="0"/>
-              <a:t>approach</a:t>
+              <a:t>Object-oriented approach</a:t>
             </a:r>
           </a:p>
           <a:p>
@@ -7090,7 +7208,6 @@
               <a:rPr lang="en-GB" dirty="0" smtClean="0"/>
               <a:t>Performance Metrics</a:t>
             </a:r>
-            <a:endParaRPr lang="en-GB" dirty="0" smtClean="0"/>
           </a:p>
           <a:p>
             <a:pPr lvl="1"/>
@@ -7112,7 +7229,6 @@
               <a:rPr lang="en-GB" dirty="0" smtClean="0"/>
               <a:t>Conclusions</a:t>
             </a:r>
-            <a:endParaRPr lang="en-GB" dirty="0" smtClean="0"/>
           </a:p>
         </p:txBody>
       </p:sp>
@@ -8193,24 +8309,15 @@
             <a:pPr lvl="1"/>
             <a:r>
               <a:rPr lang="en-GB" dirty="0" smtClean="0"/>
-              <a:t>Crowd </a:t>
-            </a:r>
-            <a:r>
-              <a:rPr lang="en-GB" dirty="0" smtClean="0"/>
-              <a:t>control for local area events</a:t>
+              <a:t>Crowd control for local area events</a:t>
             </a:r>
           </a:p>
           <a:p>
             <a:pPr lvl="1"/>
             <a:r>
               <a:rPr lang="en-GB" dirty="0" smtClean="0"/>
-              <a:t>Identify best routing </a:t>
-            </a:r>
-            <a:r>
-              <a:rPr lang="en-GB" dirty="0" smtClean="0"/>
-              <a:t>algorithm</a:t>
-            </a:r>
-            <a:endParaRPr lang="en-GB" dirty="0" smtClean="0"/>
+              <a:t>Identify best routing algorithm</a:t>
+            </a:r>
           </a:p>
           <a:p>
             <a:pPr lvl="1"/>
@@ -8405,7 +8512,7 @@
           <p:nvPr/>
         </p:nvPicPr>
         <p:blipFill>
-          <a:blip r:embed="rId2">
+          <a:blip r:embed="rId3">
             <a:extLst>
               <a:ext uri="{28A0092B-C50C-407E-A947-70E740481C1C}">
                 <a14:useLocalDpi xmlns:a14="http://schemas.microsoft.com/office/drawing/2010/main" val="0"/>
@@ -8810,11 +8917,7 @@
             <a:pPr lvl="2"/>
             <a:r>
               <a:rPr lang="en-GB" dirty="0" smtClean="0"/>
-              <a:t>Dijkstra’s </a:t>
-            </a:r>
-            <a:r>
-              <a:rPr lang="en-GB" dirty="0" smtClean="0"/>
-              <a:t>algorithm</a:t>
+              <a:t>Dijkstra’s algorithm</a:t>
             </a:r>
           </a:p>
           <a:p>
@@ -8823,7 +8926,6 @@
               <a:rPr lang="en-GB" dirty="0" smtClean="0"/>
               <a:t>Bioinformatics toolbox</a:t>
             </a:r>
-            <a:endParaRPr lang="en-GB" dirty="0" smtClean="0"/>
           </a:p>
         </p:txBody>
       </p:sp>
@@ -9136,11 +9238,7 @@
             <a:pPr lvl="1"/>
             <a:r>
               <a:rPr lang="en-GB" dirty="0" smtClean="0"/>
-              <a:t>4 algorithms implemented and </a:t>
-            </a:r>
-            <a:r>
-              <a:rPr lang="en-GB" dirty="0" smtClean="0"/>
-              <a:t>simulated</a:t>
+              <a:t>4 algorithms implemented and simulated</a:t>
             </a:r>
           </a:p>
           <a:p>
@@ -9194,17 +9292,12 @@
               <a:rPr lang="en-GB" dirty="0" smtClean="0"/>
               <a:t>)</a:t>
             </a:r>
-            <a:endParaRPr lang="en-GB" dirty="0" smtClean="0"/>
           </a:p>
           <a:p>
             <a:pPr lvl="1"/>
             <a:r>
               <a:rPr lang="en-GB" dirty="0" smtClean="0"/>
-              <a:t>Transmission via Bluetooth Low </a:t>
-            </a:r>
-            <a:r>
-              <a:rPr lang="en-GB" dirty="0" smtClean="0"/>
-              <a:t>Energy (</a:t>
+              <a:t>Transmission via Bluetooth Low Energy (</a:t>
             </a:r>
             <a:r>
               <a:rPr lang="en-GB" dirty="0" smtClean="0">
@@ -9218,7 +9311,6 @@
               <a:rPr lang="en-GB" dirty="0" smtClean="0"/>
               <a:t>)</a:t>
             </a:r>
-            <a:endParaRPr lang="en-GB" dirty="0" smtClean="0"/>
           </a:p>
           <a:p>
             <a:pPr lvl="2"/>
@@ -9231,13 +9323,8 @@
             <a:pPr lvl="2"/>
             <a:r>
               <a:rPr lang="en-GB" dirty="0" smtClean="0"/>
-              <a:t>Transmission </a:t>
-            </a:r>
-            <a:r>
-              <a:rPr lang="en-GB" dirty="0" smtClean="0"/>
-              <a:t>timings</a:t>
-            </a:r>
-            <a:endParaRPr lang="en-GB" dirty="0" smtClean="0"/>
+              <a:t>Transmission timings</a:t>
+            </a:r>
           </a:p>
         </p:txBody>
       </p:sp>
